--- a/iOS行動程式基礎開發上架20堂課/第11堂課使用原型儲存格建立自訂的TableView/swift-swift的繼承.pptx
+++ b/iOS行動程式基礎開發上架20堂課/第11堂課使用原型儲存格建立自訂的TableView/swift-swift的繼承.pptx
@@ -33125,7 +33125,7 @@
         <p:spPr>
           <a:xfrm>
             <a:off x="589736" y="1101687"/>
-            <a:ext cx="5928864" cy="1539241"/>
+            <a:ext cx="5146771" cy="2020965"/>
           </a:xfrm>
           <a:prstGeom prst="rect">
             <a:avLst/>
@@ -33145,9 +33145,9 @@
           </a:bodyPr>
           <a:lstStyle/>
           <a:p>
-            <a:pPr marL="457200" indent="-317500" defTabSz="457200">
+            <a:pPr marL="527755" indent="-388055" defTabSz="457200">
               <a:lnSpc>
-                <a:spcPts val="2300"/>
+                <a:spcPts val="1700"/>
               </a:lnSpc>
               <a:spcBef>
                 <a:spcPts val="0"/>
@@ -33158,14 +33158,14 @@
               <a:buSzPct val="100000"/>
               <a:buFont typeface="Menlo"/>
               <a:buChar char="•"/>
-              <a:defRPr b="0" sz="900">
-                <a:solidFill>
-                  <a:srgbClr val="AA0D91"/>
-                </a:solidFill>
-                <a:latin typeface="Menlo"/>
-                <a:ea typeface="Menlo"/>
-                <a:cs typeface="Menlo"/>
-                <a:sym typeface="Menlo"/>
+              <a:defRPr b="0" sz="1100">
+                <a:solidFill>
+                  <a:srgbClr val="5C2699"/>
+                </a:solidFill>
+                <a:latin typeface="Arial"/>
+                <a:ea typeface="Arial"/>
+                <a:cs typeface="Arial"/>
+                <a:sym typeface="Arial"/>
               </a:defRPr>
             </a:pPr>
             <a:r>
@@ -33202,9 +33202,9 @@
             </a:endParaRPr>
           </a:p>
           <a:p>
-            <a:pPr marL="457200" indent="-317500" defTabSz="457200">
+            <a:pPr marL="527755" indent="-388055" defTabSz="457200">
               <a:lnSpc>
-                <a:spcPts val="2300"/>
+                <a:spcPts val="1700"/>
               </a:lnSpc>
               <a:spcBef>
                 <a:spcPts val="0"/>
@@ -33215,14 +33215,14 @@
               <a:buSzPct val="100000"/>
               <a:buFont typeface="Menlo"/>
               <a:buChar char="•"/>
-              <a:defRPr b="0" sz="900">
-                <a:solidFill>
-                  <a:srgbClr val="3F6E74"/>
-                </a:solidFill>
-                <a:latin typeface="Menlo"/>
-                <a:ea typeface="Menlo"/>
-                <a:cs typeface="Menlo"/>
-                <a:sym typeface="Menlo"/>
+              <a:defRPr b="0" sz="1100">
+                <a:solidFill>
+                  <a:srgbClr val="5C2699"/>
+                </a:solidFill>
+                <a:latin typeface="Arial"/>
+                <a:ea typeface="Arial"/>
+                <a:cs typeface="Arial"/>
+                <a:sym typeface="Arial"/>
               </a:defRPr>
             </a:pPr>
             <a:r>
@@ -33275,9 +33275,9 @@
             </a:endParaRPr>
           </a:p>
           <a:p>
-            <a:pPr marL="457200" indent="-317500" defTabSz="457200">
+            <a:pPr marL="527755" indent="-388055" defTabSz="457200">
               <a:lnSpc>
-                <a:spcPts val="2300"/>
+                <a:spcPts val="1700"/>
               </a:lnSpc>
               <a:spcBef>
                 <a:spcPts val="0"/>
@@ -33288,14 +33288,14 @@
               <a:buSzPct val="100000"/>
               <a:buFont typeface="Menlo"/>
               <a:buChar char="•"/>
-              <a:defRPr b="0" sz="900">
-                <a:solidFill>
-                  <a:srgbClr val="3F6E74"/>
-                </a:solidFill>
-                <a:latin typeface="Menlo"/>
-                <a:ea typeface="Menlo"/>
-                <a:cs typeface="Menlo"/>
-                <a:sym typeface="Menlo"/>
+              <a:defRPr b="0" sz="1100">
+                <a:solidFill>
+                  <a:srgbClr val="5C2699"/>
+                </a:solidFill>
+                <a:latin typeface="Arial"/>
+                <a:ea typeface="Arial"/>
+                <a:cs typeface="Arial"/>
+                <a:sym typeface="Arial"/>
               </a:defRPr>
             </a:pPr>
             <a:r>
@@ -33334,11 +33334,6 @@
               <a:t>: </a:t>
             </a:r>
             <a:r>
-              <a:rPr>
-                <a:solidFill>
-                  <a:srgbClr val="5C2699"/>
-                </a:solidFill>
-              </a:rPr>
               <a:t>String</a:t>
             </a:r>
             <a:r>
@@ -33356,9 +33351,9 @@
             </a:endParaRPr>
           </a:p>
           <a:p>
-            <a:pPr marL="457200" indent="-317500" defTabSz="457200">
+            <a:pPr marL="527755" indent="-388055" defTabSz="457200">
               <a:lnSpc>
-                <a:spcPts val="2300"/>
+                <a:spcPts val="1700"/>
               </a:lnSpc>
               <a:spcBef>
                 <a:spcPts val="0"/>
@@ -33369,14 +33364,14 @@
               <a:buSzPct val="100000"/>
               <a:buFont typeface="Menlo"/>
               <a:buChar char="•"/>
-              <a:defRPr b="0" sz="900">
-                <a:solidFill>
-                  <a:srgbClr val="C41A16"/>
-                </a:solidFill>
-                <a:latin typeface="Menlo"/>
-                <a:ea typeface="Menlo"/>
-                <a:cs typeface="Menlo"/>
-                <a:sym typeface="Menlo"/>
+              <a:defRPr b="0" sz="1100">
+                <a:solidFill>
+                  <a:srgbClr val="5C2699"/>
+                </a:solidFill>
+                <a:latin typeface="Arial"/>
+                <a:ea typeface="Arial"/>
+                <a:cs typeface="Arial"/>
+                <a:sym typeface="Arial"/>
               </a:defRPr>
             </a:pPr>
             <a:r>
@@ -33440,9 +33435,9 @@
             </a:endParaRPr>
           </a:p>
           <a:p>
-            <a:pPr marL="457200" indent="-317500" defTabSz="457200">
+            <a:pPr marL="527755" indent="-388055" defTabSz="457200">
               <a:lnSpc>
-                <a:spcPts val="2300"/>
+                <a:spcPts val="1700"/>
               </a:lnSpc>
               <a:spcBef>
                 <a:spcPts val="0"/>
@@ -33453,14 +33448,14 @@
               <a:buSzPct val="100000"/>
               <a:buFont typeface="Menlo"/>
               <a:buChar char="•"/>
-              <a:defRPr b="0" sz="900">
-                <a:solidFill>
-                  <a:srgbClr val="333333"/>
-                </a:solidFill>
-                <a:latin typeface="Menlo"/>
-                <a:ea typeface="Menlo"/>
-                <a:cs typeface="Menlo"/>
-                <a:sym typeface="Menlo"/>
+              <a:defRPr b="0" sz="1100">
+                <a:solidFill>
+                  <a:srgbClr val="5C2699"/>
+                </a:solidFill>
+                <a:latin typeface="Arial"/>
+                <a:ea typeface="Arial"/>
+                <a:cs typeface="Arial"/>
+                <a:sym typeface="Arial"/>
               </a:defRPr>
             </a:pPr>
             <a:r>
@@ -33468,9 +33463,9 @@
             </a:r>
           </a:p>
           <a:p>
-            <a:pPr marL="457200" indent="-317500" defTabSz="457200">
+            <a:pPr marL="527755" indent="-388055" defTabSz="457200">
               <a:lnSpc>
-                <a:spcPts val="2300"/>
+                <a:spcPts val="1700"/>
               </a:lnSpc>
               <a:spcBef>
                 <a:spcPts val="0"/>
@@ -33481,14 +33476,14 @@
               <a:buSzPct val="100000"/>
               <a:buFont typeface="Menlo"/>
               <a:buChar char="•"/>
-              <a:defRPr b="0" sz="900">
-                <a:solidFill>
-                  <a:srgbClr val="3F6E74"/>
-                </a:solidFill>
-                <a:latin typeface="Menlo"/>
-                <a:ea typeface="Menlo"/>
-                <a:cs typeface="Menlo"/>
-                <a:sym typeface="Menlo"/>
+              <a:defRPr b="0" sz="1100">
+                <a:solidFill>
+                  <a:srgbClr val="5C2699"/>
+                </a:solidFill>
+                <a:latin typeface="Arial"/>
+                <a:ea typeface="Arial"/>
+                <a:cs typeface="Arial"/>
+                <a:sym typeface="Arial"/>
               </a:defRPr>
             </a:pPr>
             <a:r>
@@ -33533,9 +33528,9 @@
             </a:endParaRPr>
           </a:p>
           <a:p>
-            <a:pPr marL="457200" indent="-317500" defTabSz="457200">
+            <a:pPr marL="527755" indent="-388055" defTabSz="457200">
               <a:lnSpc>
-                <a:spcPts val="2300"/>
+                <a:spcPts val="1700"/>
               </a:lnSpc>
               <a:spcBef>
                 <a:spcPts val="0"/>
@@ -33546,14 +33541,14 @@
               <a:buSzPct val="100000"/>
               <a:buFont typeface="Menlo"/>
               <a:buChar char="•"/>
-              <a:defRPr b="0" sz="900">
-                <a:solidFill>
-                  <a:srgbClr val="007400"/>
-                </a:solidFill>
-                <a:latin typeface="Menlo"/>
-                <a:ea typeface="Menlo"/>
-                <a:cs typeface="Menlo"/>
-                <a:sym typeface="Menlo"/>
+              <a:defRPr b="0" sz="1100">
+                <a:solidFill>
+                  <a:srgbClr val="5C2699"/>
+                </a:solidFill>
+                <a:latin typeface="Arial"/>
+                <a:ea typeface="Arial"/>
+                <a:cs typeface="Arial"/>
+                <a:sym typeface="Arial"/>
               </a:defRPr>
             </a:pPr>
             <a:r>
@@ -33574,9 +33569,9 @@
             </a:endParaRPr>
           </a:p>
           <a:p>
-            <a:pPr marL="457200" indent="-317500" defTabSz="457200">
+            <a:pPr marL="527755" indent="-388055" defTabSz="457200">
               <a:lnSpc>
-                <a:spcPts val="2300"/>
+                <a:spcPts val="1700"/>
               </a:lnSpc>
               <a:spcBef>
                 <a:spcPts val="0"/>
@@ -33587,14 +33582,14 @@
               <a:buSzPct val="100000"/>
               <a:buFont typeface="Menlo"/>
               <a:buChar char="•"/>
-              <a:defRPr b="0" sz="900">
-                <a:solidFill>
-                  <a:srgbClr val="333333"/>
-                </a:solidFill>
-                <a:latin typeface="Menlo"/>
-                <a:ea typeface="Menlo"/>
-                <a:cs typeface="Menlo"/>
-                <a:sym typeface="Menlo"/>
+              <a:defRPr b="0" sz="1100">
+                <a:solidFill>
+                  <a:srgbClr val="5C2699"/>
+                </a:solidFill>
+                <a:latin typeface="Arial"/>
+                <a:ea typeface="Arial"/>
+                <a:cs typeface="Arial"/>
+                <a:sym typeface="Arial"/>
               </a:defRPr>
             </a:pPr>
             <a:r>
@@ -33602,9 +33597,9 @@
             </a:r>
           </a:p>
           <a:p>
-            <a:pPr marL="457200" indent="-317500" defTabSz="457200">
+            <a:pPr marL="527755" indent="-388055" defTabSz="457200">
               <a:lnSpc>
-                <a:spcPts val="2300"/>
+                <a:spcPts val="1700"/>
               </a:lnSpc>
               <a:spcBef>
                 <a:spcPts val="0"/>
@@ -33615,14 +33610,14 @@
               <a:buSzPct val="100000"/>
               <a:buFont typeface="Menlo"/>
               <a:buChar char="•"/>
-              <a:defRPr b="0" sz="900">
-                <a:solidFill>
-                  <a:srgbClr val="333333"/>
-                </a:solidFill>
-                <a:latin typeface="Menlo"/>
-                <a:ea typeface="Menlo"/>
-                <a:cs typeface="Menlo"/>
-                <a:sym typeface="Menlo"/>
+              <a:defRPr b="0" sz="1100">
+                <a:solidFill>
+                  <a:srgbClr val="5C2699"/>
+                </a:solidFill>
+                <a:latin typeface="Arial"/>
+                <a:ea typeface="Arial"/>
+                <a:cs typeface="Arial"/>
+                <a:sym typeface="Arial"/>
               </a:defRPr>
             </a:pPr>
             <a:r>
@@ -33639,8 +33634,8 @@
         </p:nvSpPr>
         <p:spPr>
           <a:xfrm>
-            <a:off x="588232" y="2929252"/>
-            <a:ext cx="3657989" cy="383541"/>
+            <a:off x="583971" y="3180648"/>
+            <a:ext cx="3301135" cy="509665"/>
           </a:xfrm>
           <a:prstGeom prst="rect">
             <a:avLst/>
@@ -33660,9 +33655,9 @@
           </a:bodyPr>
           <a:lstStyle/>
           <a:p>
-            <a:pPr marL="457200" indent="-317500" defTabSz="457200">
+            <a:pPr marL="527755" indent="-388055" defTabSz="457200">
               <a:lnSpc>
-                <a:spcPts val="2300"/>
+                <a:spcPts val="1700"/>
               </a:lnSpc>
               <a:spcBef>
                 <a:spcPts val="0"/>
@@ -33673,14 +33668,14 @@
               <a:buSzPct val="100000"/>
               <a:buFont typeface="Menlo"/>
               <a:buChar char="•"/>
-              <a:defRPr b="0" sz="900">
-                <a:solidFill>
-                  <a:srgbClr val="3F6E74"/>
-                </a:solidFill>
-                <a:latin typeface="Menlo"/>
-                <a:ea typeface="Menlo"/>
-                <a:cs typeface="Menlo"/>
-                <a:sym typeface="Menlo"/>
+              <a:defRPr b="0" sz="1100">
+                <a:solidFill>
+                  <a:srgbClr val="5C2699"/>
+                </a:solidFill>
+                <a:latin typeface="Arial"/>
+                <a:ea typeface="Arial"/>
+                <a:cs typeface="Arial"/>
+                <a:sym typeface="Arial"/>
               </a:defRPr>
             </a:pPr>
             <a:r>
@@ -33755,9 +33750,9 @@
             </a:endParaRPr>
           </a:p>
           <a:p>
-            <a:pPr marL="457200" indent="-317500" defTabSz="457200">
+            <a:pPr marL="527755" indent="-388055" defTabSz="457200">
               <a:lnSpc>
-                <a:spcPts val="2300"/>
+                <a:spcPts val="1700"/>
               </a:lnSpc>
               <a:spcBef>
                 <a:spcPts val="0"/>
@@ -33768,14 +33763,14 @@
               <a:buSzPct val="100000"/>
               <a:buFont typeface="Menlo"/>
               <a:buChar char="•"/>
-              <a:defRPr b="0" sz="900">
-                <a:solidFill>
-                  <a:srgbClr val="007400"/>
-                </a:solidFill>
-                <a:latin typeface="Menlo"/>
-                <a:ea typeface="Menlo"/>
-                <a:cs typeface="Menlo"/>
-                <a:sym typeface="Menlo"/>
+              <a:defRPr b="0" sz="1100">
+                <a:solidFill>
+                  <a:srgbClr val="5C2699"/>
+                </a:solidFill>
+                <a:latin typeface="Arial"/>
+                <a:ea typeface="Arial"/>
+                <a:cs typeface="Arial"/>
+                <a:sym typeface="Arial"/>
               </a:defRPr>
             </a:pPr>
             <a:r>
@@ -33928,7 +33923,7 @@
         <p:spPr>
           <a:xfrm>
             <a:off x="908067" y="1012496"/>
-            <a:ext cx="3390378" cy="561341"/>
+            <a:ext cx="3139888" cy="725566"/>
           </a:xfrm>
           <a:prstGeom prst="rect">
             <a:avLst/>
@@ -33948,9 +33943,9 @@
           </a:bodyPr>
           <a:lstStyle/>
           <a:p>
-            <a:pPr marL="457200" indent="-317500" defTabSz="457200">
+            <a:pPr marL="488950" indent="-349250" defTabSz="457200">
               <a:lnSpc>
-                <a:spcPts val="2500"/>
+                <a:spcPts val="1700"/>
               </a:lnSpc>
               <a:spcBef>
                 <a:spcPts val="0"/>
@@ -33961,14 +33956,14 @@
               <a:buSzPct val="100000"/>
               <a:buFont typeface="Menlo"/>
               <a:buChar char="•"/>
-              <a:defRPr b="0" sz="1000">
+              <a:defRPr b="0" sz="1100">
                 <a:solidFill>
                   <a:srgbClr val="5C2699"/>
                 </a:solidFill>
-                <a:latin typeface="Menlo"/>
-                <a:ea typeface="Menlo"/>
-                <a:cs typeface="Menlo"/>
-                <a:sym typeface="Menlo"/>
+                <a:latin typeface="Arial"/>
+                <a:ea typeface="Arial"/>
+                <a:cs typeface="Arial"/>
+                <a:sym typeface="Arial"/>
               </a:defRPr>
             </a:pPr>
             <a:r>
@@ -34021,9 +34016,9 @@
             </a:endParaRPr>
           </a:p>
           <a:p>
-            <a:pPr marL="457200" indent="-317500" defTabSz="457200">
+            <a:pPr marL="488950" indent="-349250" defTabSz="457200">
               <a:lnSpc>
-                <a:spcPts val="2500"/>
+                <a:spcPts val="1700"/>
               </a:lnSpc>
               <a:spcBef>
                 <a:spcPts val="0"/>
@@ -34034,14 +34029,14 @@
               <a:buSzPct val="100000"/>
               <a:buFont typeface="Menlo"/>
               <a:buChar char="•"/>
-              <a:defRPr b="0" sz="1000">
-                <a:solidFill>
-                  <a:srgbClr val="007400"/>
-                </a:solidFill>
-                <a:latin typeface="Menlo"/>
-                <a:ea typeface="Menlo"/>
-                <a:cs typeface="Menlo"/>
-                <a:sym typeface="Menlo"/>
+              <a:defRPr b="0" sz="1100">
+                <a:solidFill>
+                  <a:srgbClr val="5C2699"/>
+                </a:solidFill>
+                <a:latin typeface="Arial"/>
+                <a:ea typeface="Arial"/>
+                <a:cs typeface="Arial"/>
+                <a:sym typeface="Arial"/>
               </a:defRPr>
             </a:pPr>
             <a:r>
@@ -34062,9 +34057,9 @@
             </a:endParaRPr>
           </a:p>
           <a:p>
-            <a:pPr marL="457200" indent="-317500" defTabSz="457200">
+            <a:pPr marL="488950" indent="-349250" defTabSz="457200">
               <a:lnSpc>
-                <a:spcPts val="2500"/>
+                <a:spcPts val="1700"/>
               </a:lnSpc>
               <a:spcBef>
                 <a:spcPts val="0"/>
@@ -34075,14 +34070,14 @@
               <a:buSzPct val="100000"/>
               <a:buFont typeface="Menlo"/>
               <a:buChar char="•"/>
-              <a:defRPr b="0" sz="1000">
-                <a:solidFill>
-                  <a:srgbClr val="333333"/>
-                </a:solidFill>
-                <a:latin typeface="Menlo"/>
-                <a:ea typeface="Menlo"/>
-                <a:cs typeface="Menlo"/>
-                <a:sym typeface="Menlo"/>
+              <a:defRPr b="0" sz="1100">
+                <a:solidFill>
+                  <a:srgbClr val="5C2699"/>
+                </a:solidFill>
+                <a:latin typeface="Arial"/>
+                <a:ea typeface="Arial"/>
+                <a:cs typeface="Arial"/>
+                <a:sym typeface="Arial"/>
               </a:defRPr>
             </a:pPr>
             <a:r>
@@ -34099,8 +34094,8 @@
         </p:nvSpPr>
         <p:spPr>
           <a:xfrm>
-            <a:off x="908067" y="1610188"/>
-            <a:ext cx="2350516" cy="548641"/>
+            <a:off x="904586" y="1856790"/>
+            <a:ext cx="2165459" cy="725566"/>
           </a:xfrm>
           <a:prstGeom prst="rect">
             <a:avLst/>
@@ -34120,9 +34115,9 @@
           </a:bodyPr>
           <a:lstStyle/>
           <a:p>
-            <a:pPr marL="457200" indent="-317500" defTabSz="457200">
+            <a:pPr marL="527755" indent="-388055" defTabSz="457200">
               <a:lnSpc>
-                <a:spcPts val="2300"/>
+                <a:spcPts val="1700"/>
               </a:lnSpc>
               <a:spcBef>
                 <a:spcPts val="0"/>
@@ -34133,14 +34128,14 @@
               <a:buSzPct val="100000"/>
               <a:buFont typeface="Menlo"/>
               <a:buChar char="•"/>
-              <a:defRPr b="0" sz="900">
-                <a:solidFill>
-                  <a:srgbClr val="AA0D91"/>
-                </a:solidFill>
-                <a:latin typeface="Menlo"/>
-                <a:ea typeface="Menlo"/>
-                <a:cs typeface="Menlo"/>
-                <a:sym typeface="Menlo"/>
+              <a:defRPr b="0" sz="1100">
+                <a:solidFill>
+                  <a:srgbClr val="5C2699"/>
+                </a:solidFill>
+                <a:latin typeface="Arial"/>
+                <a:ea typeface="Arial"/>
+                <a:cs typeface="Arial"/>
+                <a:sym typeface="Arial"/>
               </a:defRPr>
             </a:pPr>
             <a:r>
@@ -34171,11 +34166,6 @@
               <a:t>: </a:t>
             </a:r>
             <a:r>
-              <a:rPr>
-                <a:solidFill>
-                  <a:srgbClr val="5C2699"/>
-                </a:solidFill>
-              </a:rPr>
               <a:t>Vehicle</a:t>
             </a:r>
             <a:r>
@@ -34193,9 +34183,9 @@
             </a:endParaRPr>
           </a:p>
           <a:p>
-            <a:pPr marL="457200" indent="-317500" defTabSz="457200">
+            <a:pPr marL="527755" indent="-388055" defTabSz="457200">
               <a:lnSpc>
-                <a:spcPts val="2300"/>
+                <a:spcPts val="1700"/>
               </a:lnSpc>
               <a:spcBef>
                 <a:spcPts val="0"/>
@@ -34206,14 +34196,14 @@
               <a:buSzPct val="100000"/>
               <a:buFont typeface="Menlo"/>
               <a:buChar char="•"/>
-              <a:defRPr b="0" sz="900">
-                <a:solidFill>
-                  <a:srgbClr val="3F6E74"/>
-                </a:solidFill>
-                <a:latin typeface="Menlo"/>
-                <a:ea typeface="Menlo"/>
-                <a:cs typeface="Menlo"/>
-                <a:sym typeface="Menlo"/>
+              <a:defRPr b="0" sz="1100">
+                <a:solidFill>
+                  <a:srgbClr val="5C2699"/>
+                </a:solidFill>
+                <a:latin typeface="Arial"/>
+                <a:ea typeface="Arial"/>
+                <a:cs typeface="Arial"/>
+                <a:sym typeface="Arial"/>
               </a:defRPr>
             </a:pPr>
             <a:r>
@@ -34266,9 +34256,9 @@
             </a:endParaRPr>
           </a:p>
           <a:p>
-            <a:pPr marL="457200" indent="-317500" defTabSz="457200">
+            <a:pPr marL="527755" indent="-388055" defTabSz="457200">
               <a:lnSpc>
-                <a:spcPts val="2300"/>
+                <a:spcPts val="1700"/>
               </a:lnSpc>
               <a:spcBef>
                 <a:spcPts val="0"/>
@@ -34279,14 +34269,14 @@
               <a:buSzPct val="100000"/>
               <a:buFont typeface="Menlo"/>
               <a:buChar char="•"/>
-              <a:defRPr b="0" sz="900">
-                <a:solidFill>
-                  <a:srgbClr val="333333"/>
-                </a:solidFill>
-                <a:latin typeface="Menlo"/>
-                <a:ea typeface="Menlo"/>
-                <a:cs typeface="Menlo"/>
-                <a:sym typeface="Menlo"/>
+              <a:defRPr b="0" sz="1100">
+                <a:solidFill>
+                  <a:srgbClr val="5C2699"/>
+                </a:solidFill>
+                <a:latin typeface="Arial"/>
+                <a:ea typeface="Arial"/>
+                <a:cs typeface="Arial"/>
+                <a:sym typeface="Arial"/>
               </a:defRPr>
             </a:pPr>
             <a:r>
@@ -34303,8 +34293,8 @@
         </p:nvSpPr>
         <p:spPr>
           <a:xfrm>
-            <a:off x="912328" y="2297442"/>
-            <a:ext cx="2212887" cy="383541"/>
+            <a:off x="912328" y="2726656"/>
+            <a:ext cx="2149975" cy="509666"/>
           </a:xfrm>
           <a:prstGeom prst="rect">
             <a:avLst/>
@@ -34324,9 +34314,9 @@
           </a:bodyPr>
           <a:lstStyle/>
           <a:p>
-            <a:pPr marL="457200" indent="-317500" defTabSz="457200">
+            <a:pPr marL="527755" indent="-388055" defTabSz="457200">
               <a:lnSpc>
-                <a:spcPts val="2300"/>
+                <a:spcPts val="1700"/>
               </a:lnSpc>
               <a:spcBef>
                 <a:spcPts val="0"/>
@@ -34337,14 +34327,14 @@
               <a:buSzPct val="100000"/>
               <a:buFont typeface="Menlo"/>
               <a:buChar char="•"/>
-              <a:defRPr b="0" sz="900">
-                <a:solidFill>
-                  <a:srgbClr val="3F6E74"/>
-                </a:solidFill>
-                <a:latin typeface="Menlo"/>
-                <a:ea typeface="Menlo"/>
-                <a:cs typeface="Menlo"/>
-                <a:sym typeface="Menlo"/>
+              <a:defRPr b="0" sz="1100">
+                <a:solidFill>
+                  <a:srgbClr val="5C2699"/>
+                </a:solidFill>
+                <a:latin typeface="Arial"/>
+                <a:ea typeface="Arial"/>
+                <a:cs typeface="Arial"/>
+                <a:sym typeface="Arial"/>
               </a:defRPr>
             </a:pPr>
             <a:r>
@@ -34392,9 +34382,9 @@
             </a:endParaRPr>
           </a:p>
           <a:p>
-            <a:pPr marL="457200" indent="-317500" defTabSz="457200">
+            <a:pPr marL="527755" indent="-388055" defTabSz="457200">
               <a:lnSpc>
-                <a:spcPts val="2300"/>
+                <a:spcPts val="1700"/>
               </a:lnSpc>
               <a:spcBef>
                 <a:spcPts val="0"/>
@@ -34405,14 +34395,14 @@
               <a:buSzPct val="100000"/>
               <a:buFont typeface="Menlo"/>
               <a:buChar char="•"/>
-              <a:defRPr b="0" sz="900">
-                <a:solidFill>
-                  <a:srgbClr val="3F6E74"/>
-                </a:solidFill>
-                <a:latin typeface="Menlo"/>
-                <a:ea typeface="Menlo"/>
-                <a:cs typeface="Menlo"/>
-                <a:sym typeface="Menlo"/>
+              <a:defRPr b="0" sz="1100">
+                <a:solidFill>
+                  <a:srgbClr val="5C2699"/>
+                </a:solidFill>
+                <a:latin typeface="Arial"/>
+                <a:ea typeface="Arial"/>
+                <a:cs typeface="Arial"/>
+                <a:sym typeface="Arial"/>
               </a:defRPr>
             </a:pPr>
             <a:r>
@@ -34456,8 +34446,8 @@
         </p:nvSpPr>
         <p:spPr>
           <a:xfrm>
-            <a:off x="929372" y="2930381"/>
-            <a:ext cx="3589175" cy="548641"/>
+            <a:off x="884777" y="3463000"/>
+            <a:ext cx="3186469" cy="725566"/>
           </a:xfrm>
           <a:prstGeom prst="rect">
             <a:avLst/>
@@ -34477,9 +34467,9 @@
           </a:bodyPr>
           <a:lstStyle/>
           <a:p>
-            <a:pPr marL="457200" indent="-317500" defTabSz="457200">
+            <a:pPr marL="527755" indent="-388055" defTabSz="457200">
               <a:lnSpc>
-                <a:spcPts val="2300"/>
+                <a:spcPts val="1700"/>
               </a:lnSpc>
               <a:spcBef>
                 <a:spcPts val="0"/>
@@ -34490,14 +34480,14 @@
               <a:buSzPct val="100000"/>
               <a:buFont typeface="Menlo"/>
               <a:buChar char="•"/>
-              <a:defRPr b="0" sz="900">
-                <a:solidFill>
-                  <a:srgbClr val="3F6E74"/>
-                </a:solidFill>
-                <a:latin typeface="Menlo"/>
-                <a:ea typeface="Menlo"/>
-                <a:cs typeface="Menlo"/>
-                <a:sym typeface="Menlo"/>
+              <a:defRPr b="0" sz="1100">
+                <a:solidFill>
+                  <a:srgbClr val="5C2699"/>
+                </a:solidFill>
+                <a:latin typeface="Arial"/>
+                <a:ea typeface="Arial"/>
+                <a:cs typeface="Arial"/>
+                <a:sym typeface="Arial"/>
               </a:defRPr>
             </a:pPr>
             <a:r>
@@ -34537,9 +34527,9 @@
             </a:endParaRPr>
           </a:p>
           <a:p>
-            <a:pPr marL="457200" indent="-317500" defTabSz="457200">
+            <a:pPr marL="527755" indent="-388055" defTabSz="457200">
               <a:lnSpc>
-                <a:spcPts val="2300"/>
+                <a:spcPts val="1700"/>
               </a:lnSpc>
               <a:spcBef>
                 <a:spcPts val="0"/>
@@ -34550,14 +34540,14 @@
               <a:buSzPct val="100000"/>
               <a:buFont typeface="Menlo"/>
               <a:buChar char="•"/>
-              <a:defRPr b="0" sz="900">
-                <a:solidFill>
-                  <a:srgbClr val="3F6E74"/>
-                </a:solidFill>
-                <a:latin typeface="Menlo"/>
-                <a:ea typeface="Menlo"/>
-                <a:cs typeface="Menlo"/>
-                <a:sym typeface="Menlo"/>
+              <a:defRPr b="0" sz="1100">
+                <a:solidFill>
+                  <a:srgbClr val="5C2699"/>
+                </a:solidFill>
+                <a:latin typeface="Arial"/>
+                <a:ea typeface="Arial"/>
+                <a:cs typeface="Arial"/>
+                <a:sym typeface="Arial"/>
               </a:defRPr>
             </a:pPr>
             <a:r>
@@ -34632,9 +34622,9 @@
             </a:endParaRPr>
           </a:p>
           <a:p>
-            <a:pPr marL="457200" indent="-317500" defTabSz="457200">
+            <a:pPr marL="527755" indent="-388055" defTabSz="457200">
               <a:lnSpc>
-                <a:spcPts val="2300"/>
+                <a:spcPts val="1700"/>
               </a:lnSpc>
               <a:spcBef>
                 <a:spcPts val="0"/>
@@ -34645,14 +34635,14 @@
               <a:buSzPct val="100000"/>
               <a:buFont typeface="Menlo"/>
               <a:buChar char="•"/>
-              <a:defRPr b="0" sz="900">
-                <a:solidFill>
-                  <a:srgbClr val="007400"/>
-                </a:solidFill>
-                <a:latin typeface="Menlo"/>
-                <a:ea typeface="Menlo"/>
-                <a:cs typeface="Menlo"/>
-                <a:sym typeface="Menlo"/>
+              <a:defRPr b="0" sz="1100">
+                <a:solidFill>
+                  <a:srgbClr val="5C2699"/>
+                </a:solidFill>
+                <a:latin typeface="Arial"/>
+                <a:ea typeface="Arial"/>
+                <a:cs typeface="Arial"/>
+                <a:sym typeface="Arial"/>
               </a:defRPr>
             </a:pPr>
             <a:r>
@@ -34805,7 +34795,7 @@
         <p:spPr>
           <a:xfrm>
             <a:off x="908067" y="1012496"/>
-            <a:ext cx="3176289" cy="548641"/>
+            <a:ext cx="3112595" cy="725566"/>
           </a:xfrm>
           <a:prstGeom prst="rect">
             <a:avLst/>
@@ -34825,9 +34815,9 @@
           </a:bodyPr>
           <a:lstStyle/>
           <a:p>
-            <a:pPr marL="457200" indent="-317500" defTabSz="457200">
+            <a:pPr marL="527755" indent="-388055" defTabSz="457200">
               <a:lnSpc>
-                <a:spcPts val="2300"/>
+                <a:spcPts val="1700"/>
               </a:lnSpc>
               <a:spcBef>
                 <a:spcPts val="0"/>
@@ -34838,14 +34828,14 @@
               <a:buSzPct val="100000"/>
               <a:buFont typeface="Menlo"/>
               <a:buChar char="•"/>
-              <a:defRPr b="0" sz="900">
-                <a:solidFill>
-                  <a:srgbClr val="AA0D91"/>
-                </a:solidFill>
-                <a:latin typeface="Menlo"/>
-                <a:ea typeface="Menlo"/>
-                <a:cs typeface="Menlo"/>
-                <a:sym typeface="Menlo"/>
+              <a:defRPr b="0" sz="1100">
+                <a:solidFill>
+                  <a:srgbClr val="5C2699"/>
+                </a:solidFill>
+                <a:latin typeface="Arial"/>
+                <a:ea typeface="Arial"/>
+                <a:cs typeface="Arial"/>
+                <a:sym typeface="Arial"/>
               </a:defRPr>
             </a:pPr>
             <a:r>
@@ -34876,11 +34866,6 @@
               <a:t>: </a:t>
             </a:r>
             <a:r>
-              <a:rPr>
-                <a:solidFill>
-                  <a:srgbClr val="5C2699"/>
-                </a:solidFill>
-              </a:rPr>
               <a:t>Bicycle</a:t>
             </a:r>
             <a:r>
@@ -34898,9 +34883,9 @@
             </a:endParaRPr>
           </a:p>
           <a:p>
-            <a:pPr marL="457200" indent="-317500" defTabSz="457200">
+            <a:pPr marL="527755" indent="-388055" defTabSz="457200">
               <a:lnSpc>
-                <a:spcPts val="2300"/>
+                <a:spcPts val="1700"/>
               </a:lnSpc>
               <a:spcBef>
                 <a:spcPts val="0"/>
@@ -34911,14 +34896,14 @@
               <a:buSzPct val="100000"/>
               <a:buFont typeface="Menlo"/>
               <a:buChar char="•"/>
-              <a:defRPr b="0" sz="900">
-                <a:solidFill>
-                  <a:srgbClr val="3F6E74"/>
-                </a:solidFill>
-                <a:latin typeface="Menlo"/>
-                <a:ea typeface="Menlo"/>
-                <a:cs typeface="Menlo"/>
-                <a:sym typeface="Menlo"/>
+              <a:defRPr b="0" sz="1100">
+                <a:solidFill>
+                  <a:srgbClr val="5C2699"/>
+                </a:solidFill>
+                <a:latin typeface="Arial"/>
+                <a:ea typeface="Arial"/>
+                <a:cs typeface="Arial"/>
+                <a:sym typeface="Arial"/>
               </a:defRPr>
             </a:pPr>
             <a:r>
@@ -34971,9 +34956,9 @@
             </a:endParaRPr>
           </a:p>
           <a:p>
-            <a:pPr marL="457200" indent="-317500" defTabSz="457200">
+            <a:pPr marL="527755" indent="-388055" defTabSz="457200">
               <a:lnSpc>
-                <a:spcPts val="2300"/>
+                <a:spcPts val="1700"/>
               </a:lnSpc>
               <a:spcBef>
                 <a:spcPts val="0"/>
@@ -34984,14 +34969,14 @@
               <a:buSzPct val="100000"/>
               <a:buFont typeface="Menlo"/>
               <a:buChar char="•"/>
-              <a:defRPr b="0" sz="900">
-                <a:solidFill>
-                  <a:srgbClr val="333333"/>
-                </a:solidFill>
-                <a:latin typeface="Menlo"/>
-                <a:ea typeface="Menlo"/>
-                <a:cs typeface="Menlo"/>
-                <a:sym typeface="Menlo"/>
+              <a:defRPr b="0" sz="1100">
+                <a:solidFill>
+                  <a:srgbClr val="5C2699"/>
+                </a:solidFill>
+                <a:latin typeface="Arial"/>
+                <a:ea typeface="Arial"/>
+                <a:cs typeface="Arial"/>
+                <a:sym typeface="Arial"/>
               </a:defRPr>
             </a:pPr>
             <a:r>
@@ -35008,8 +34993,8 @@
         </p:nvSpPr>
         <p:spPr>
           <a:xfrm>
-            <a:off x="908067" y="1699668"/>
-            <a:ext cx="3589175" cy="1209041"/>
+            <a:off x="908067" y="1874367"/>
+            <a:ext cx="3277261" cy="1589165"/>
           </a:xfrm>
           <a:prstGeom prst="rect">
             <a:avLst/>
@@ -35029,9 +35014,9 @@
           </a:bodyPr>
           <a:lstStyle/>
           <a:p>
-            <a:pPr marL="457200" indent="-317500" defTabSz="457200">
+            <a:pPr marL="527755" indent="-388055" defTabSz="457200">
               <a:lnSpc>
-                <a:spcPts val="2300"/>
+                <a:spcPts val="1700"/>
               </a:lnSpc>
               <a:spcBef>
                 <a:spcPts val="0"/>
@@ -35042,14 +35027,14 @@
               <a:buSzPct val="100000"/>
               <a:buFont typeface="Menlo"/>
               <a:buChar char="•"/>
-              <a:defRPr b="0" sz="900">
-                <a:solidFill>
-                  <a:srgbClr val="AA0D91"/>
-                </a:solidFill>
-                <a:latin typeface="Menlo"/>
-                <a:ea typeface="Menlo"/>
-                <a:cs typeface="Menlo"/>
-                <a:sym typeface="Menlo"/>
+              <a:defRPr b="0" sz="1100">
+                <a:solidFill>
+                  <a:srgbClr val="5C2699"/>
+                </a:solidFill>
+                <a:latin typeface="Arial"/>
+                <a:ea typeface="Arial"/>
+                <a:cs typeface="Arial"/>
+                <a:sym typeface="Arial"/>
               </a:defRPr>
             </a:pPr>
             <a:r>
@@ -35102,9 +35087,9 @@
             </a:endParaRPr>
           </a:p>
           <a:p>
-            <a:pPr marL="457200" indent="-317500" defTabSz="457200">
+            <a:pPr marL="527755" indent="-388055" defTabSz="457200">
               <a:lnSpc>
-                <a:spcPts val="2300"/>
+                <a:spcPts val="1700"/>
               </a:lnSpc>
               <a:spcBef>
                 <a:spcPts val="0"/>
@@ -35115,14 +35100,14 @@
               <a:buSzPct val="100000"/>
               <a:buFont typeface="Menlo"/>
               <a:buChar char="•"/>
-              <a:defRPr b="0" sz="900">
-                <a:solidFill>
-                  <a:srgbClr val="3F6E74"/>
-                </a:solidFill>
-                <a:latin typeface="Menlo"/>
-                <a:ea typeface="Menlo"/>
-                <a:cs typeface="Menlo"/>
-                <a:sym typeface="Menlo"/>
+              <a:defRPr b="0" sz="1100">
+                <a:solidFill>
+                  <a:srgbClr val="5C2699"/>
+                </a:solidFill>
+                <a:latin typeface="Arial"/>
+                <a:ea typeface="Arial"/>
+                <a:cs typeface="Arial"/>
+                <a:sym typeface="Arial"/>
               </a:defRPr>
             </a:pPr>
             <a:r>
@@ -35162,9 +35147,9 @@
             </a:endParaRPr>
           </a:p>
           <a:p>
-            <a:pPr marL="457200" indent="-317500" defTabSz="457200">
+            <a:pPr marL="527755" indent="-388055" defTabSz="457200">
               <a:lnSpc>
-                <a:spcPts val="2300"/>
+                <a:spcPts val="1700"/>
               </a:lnSpc>
               <a:spcBef>
                 <a:spcPts val="0"/>
@@ -35175,14 +35160,14 @@
               <a:buSzPct val="100000"/>
               <a:buFont typeface="Menlo"/>
               <a:buChar char="•"/>
-              <a:defRPr b="0" sz="900">
-                <a:solidFill>
-                  <a:srgbClr val="3F6E74"/>
-                </a:solidFill>
-                <a:latin typeface="Menlo"/>
-                <a:ea typeface="Menlo"/>
-                <a:cs typeface="Menlo"/>
-                <a:sym typeface="Menlo"/>
+              <a:defRPr b="0" sz="1100">
+                <a:solidFill>
+                  <a:srgbClr val="5C2699"/>
+                </a:solidFill>
+                <a:latin typeface="Arial"/>
+                <a:ea typeface="Arial"/>
+                <a:cs typeface="Arial"/>
+                <a:sym typeface="Arial"/>
               </a:defRPr>
             </a:pPr>
             <a:r>
@@ -35222,9 +35207,9 @@
             </a:endParaRPr>
           </a:p>
           <a:p>
-            <a:pPr marL="457200" indent="-317500" defTabSz="457200">
+            <a:pPr marL="527755" indent="-388055" defTabSz="457200">
               <a:lnSpc>
-                <a:spcPts val="2300"/>
+                <a:spcPts val="1700"/>
               </a:lnSpc>
               <a:spcBef>
                 <a:spcPts val="0"/>
@@ -35235,14 +35220,14 @@
               <a:buSzPct val="100000"/>
               <a:buFont typeface="Menlo"/>
               <a:buChar char="•"/>
-              <a:defRPr b="0" sz="900">
-                <a:solidFill>
-                  <a:srgbClr val="3F6E74"/>
-                </a:solidFill>
-                <a:latin typeface="Menlo"/>
-                <a:ea typeface="Menlo"/>
-                <a:cs typeface="Menlo"/>
-                <a:sym typeface="Menlo"/>
+              <a:defRPr b="0" sz="1100">
+                <a:solidFill>
+                  <a:srgbClr val="5C2699"/>
+                </a:solidFill>
+                <a:latin typeface="Arial"/>
+                <a:ea typeface="Arial"/>
+                <a:cs typeface="Arial"/>
+                <a:sym typeface="Arial"/>
               </a:defRPr>
             </a:pPr>
             <a:r>
@@ -35282,9 +35267,9 @@
             </a:endParaRPr>
           </a:p>
           <a:p>
-            <a:pPr marL="457200" indent="-317500" defTabSz="457200">
+            <a:pPr marL="527755" indent="-388055" defTabSz="457200">
               <a:lnSpc>
-                <a:spcPts val="2300"/>
+                <a:spcPts val="1700"/>
               </a:lnSpc>
               <a:spcBef>
                 <a:spcPts val="0"/>
@@ -35295,14 +35280,14 @@
               <a:buSzPct val="100000"/>
               <a:buFont typeface="Menlo"/>
               <a:buChar char="•"/>
-              <a:defRPr b="0" sz="900">
-                <a:solidFill>
-                  <a:srgbClr val="3F6E74"/>
-                </a:solidFill>
-                <a:latin typeface="Menlo"/>
-                <a:ea typeface="Menlo"/>
-                <a:cs typeface="Menlo"/>
-                <a:sym typeface="Menlo"/>
+              <a:defRPr b="0" sz="1100">
+                <a:solidFill>
+                  <a:srgbClr val="5C2699"/>
+                </a:solidFill>
+                <a:latin typeface="Arial"/>
+                <a:ea typeface="Arial"/>
+                <a:cs typeface="Arial"/>
+                <a:sym typeface="Arial"/>
               </a:defRPr>
             </a:pPr>
             <a:r>
@@ -35377,9 +35362,9 @@
             </a:endParaRPr>
           </a:p>
           <a:p>
-            <a:pPr marL="457200" indent="-317500" defTabSz="457200">
+            <a:pPr marL="527755" indent="-388055" defTabSz="457200">
               <a:lnSpc>
-                <a:spcPts val="2300"/>
+                <a:spcPts val="1700"/>
               </a:lnSpc>
               <a:spcBef>
                 <a:spcPts val="0"/>
@@ -35390,14 +35375,14 @@
               <a:buSzPct val="100000"/>
               <a:buFont typeface="Menlo"/>
               <a:buChar char="•"/>
-              <a:defRPr b="0" sz="900">
-                <a:solidFill>
-                  <a:srgbClr val="007400"/>
-                </a:solidFill>
-                <a:latin typeface="Menlo"/>
-                <a:ea typeface="Menlo"/>
-                <a:cs typeface="Menlo"/>
-                <a:sym typeface="Menlo"/>
+              <a:defRPr b="0" sz="1100">
+                <a:solidFill>
+                  <a:srgbClr val="5C2699"/>
+                </a:solidFill>
+                <a:latin typeface="Arial"/>
+                <a:ea typeface="Arial"/>
+                <a:cs typeface="Arial"/>
+                <a:sym typeface="Arial"/>
               </a:defRPr>
             </a:pPr>
             <a:r>
@@ -35555,7 +35540,7 @@
         <p:spPr>
           <a:xfrm>
             <a:off x="912328" y="1322611"/>
-            <a:ext cx="2763402" cy="878841"/>
+            <a:ext cx="2549634" cy="1157365"/>
           </a:xfrm>
           <a:prstGeom prst="rect">
             <a:avLst/>
@@ -35575,9 +35560,9 @@
           </a:bodyPr>
           <a:lstStyle/>
           <a:p>
-            <a:pPr marL="457200" indent="-317500" defTabSz="457200">
+            <a:pPr marL="527755" indent="-388055" defTabSz="457200">
               <a:lnSpc>
-                <a:spcPts val="2300"/>
+                <a:spcPts val="1700"/>
               </a:lnSpc>
               <a:spcBef>
                 <a:spcPts val="0"/>
@@ -35588,14 +35573,14 @@
               <a:buSzPct val="100000"/>
               <a:buFont typeface="Menlo"/>
               <a:buChar char="•"/>
-              <a:defRPr b="0" sz="900">
-                <a:solidFill>
-                  <a:srgbClr val="AA0D91"/>
-                </a:solidFill>
-                <a:latin typeface="Menlo"/>
-                <a:ea typeface="Menlo"/>
-                <a:cs typeface="Menlo"/>
-                <a:sym typeface="Menlo"/>
+              <a:defRPr b="0" sz="1100">
+                <a:solidFill>
+                  <a:srgbClr val="5C2699"/>
+                </a:solidFill>
+                <a:latin typeface="Arial"/>
+                <a:ea typeface="Arial"/>
+                <a:cs typeface="Arial"/>
+                <a:sym typeface="Arial"/>
               </a:defRPr>
             </a:pPr>
             <a:r>
@@ -35626,11 +35611,6 @@
               <a:t>: </a:t>
             </a:r>
             <a:r>
-              <a:rPr>
-                <a:solidFill>
-                  <a:srgbClr val="5C2699"/>
-                </a:solidFill>
-              </a:rPr>
               <a:t>Vehicle</a:t>
             </a:r>
             <a:r>
@@ -35648,9 +35628,9 @@
             </a:endParaRPr>
           </a:p>
           <a:p>
-            <a:pPr marL="457200" indent="-317500" defTabSz="457200">
+            <a:pPr marL="527755" indent="-388055" defTabSz="457200">
               <a:lnSpc>
-                <a:spcPts val="2300"/>
+                <a:spcPts val="1700"/>
               </a:lnSpc>
               <a:spcBef>
                 <a:spcPts val="0"/>
@@ -35661,14 +35641,14 @@
               <a:buSzPct val="100000"/>
               <a:buFont typeface="Menlo"/>
               <a:buChar char="•"/>
-              <a:defRPr b="0" sz="900">
-                <a:solidFill>
-                  <a:srgbClr val="3F6E74"/>
-                </a:solidFill>
-                <a:latin typeface="Menlo"/>
-                <a:ea typeface="Menlo"/>
-                <a:cs typeface="Menlo"/>
-                <a:sym typeface="Menlo"/>
+              <a:defRPr b="0" sz="1100">
+                <a:solidFill>
+                  <a:srgbClr val="5C2699"/>
+                </a:solidFill>
+                <a:latin typeface="Arial"/>
+                <a:ea typeface="Arial"/>
+                <a:cs typeface="Arial"/>
+                <a:sym typeface="Arial"/>
               </a:defRPr>
             </a:pPr>
             <a:r>
@@ -35729,9 +35709,9 @@
             </a:endParaRPr>
           </a:p>
           <a:p>
-            <a:pPr marL="457200" indent="-317500" defTabSz="457200">
+            <a:pPr marL="527755" indent="-388055" defTabSz="457200">
               <a:lnSpc>
-                <a:spcPts val="2300"/>
+                <a:spcPts val="1700"/>
               </a:lnSpc>
               <a:spcBef>
                 <a:spcPts val="0"/>
@@ -35742,14 +35722,14 @@
               <a:buSzPct val="100000"/>
               <a:buFont typeface="Menlo"/>
               <a:buChar char="•"/>
-              <a:defRPr b="0" sz="900">
-                <a:solidFill>
-                  <a:srgbClr val="333333"/>
-                </a:solidFill>
-                <a:latin typeface="Menlo"/>
-                <a:ea typeface="Menlo"/>
-                <a:cs typeface="Menlo"/>
-                <a:sym typeface="Menlo"/>
+              <a:defRPr b="0" sz="1100">
+                <a:solidFill>
+                  <a:srgbClr val="5C2699"/>
+                </a:solidFill>
+                <a:latin typeface="Arial"/>
+                <a:ea typeface="Arial"/>
+                <a:cs typeface="Arial"/>
+                <a:sym typeface="Arial"/>
               </a:defRPr>
             </a:pPr>
             <a:r>
@@ -35779,9 +35759,9 @@
             </a:r>
           </a:p>
           <a:p>
-            <a:pPr marL="457200" indent="-317500" defTabSz="457200">
+            <a:pPr marL="527755" indent="-388055" defTabSz="457200">
               <a:lnSpc>
-                <a:spcPts val="2300"/>
+                <a:spcPts val="1700"/>
               </a:lnSpc>
               <a:spcBef>
                 <a:spcPts val="0"/>
@@ -35792,14 +35772,14 @@
               <a:buSzPct val="100000"/>
               <a:buFont typeface="Menlo"/>
               <a:buChar char="•"/>
-              <a:defRPr b="0" sz="900">
-                <a:solidFill>
-                  <a:srgbClr val="333333"/>
-                </a:solidFill>
-                <a:latin typeface="Menlo"/>
-                <a:ea typeface="Menlo"/>
-                <a:cs typeface="Menlo"/>
-                <a:sym typeface="Menlo"/>
+              <a:defRPr b="0" sz="1100">
+                <a:solidFill>
+                  <a:srgbClr val="5C2699"/>
+                </a:solidFill>
+                <a:latin typeface="Arial"/>
+                <a:ea typeface="Arial"/>
+                <a:cs typeface="Arial"/>
+                <a:sym typeface="Arial"/>
               </a:defRPr>
             </a:pPr>
             <a:r>
@@ -35807,9 +35787,9 @@
             </a:r>
           </a:p>
           <a:p>
-            <a:pPr marL="457200" indent="-317500" defTabSz="457200">
+            <a:pPr marL="527755" indent="-388055" defTabSz="457200">
               <a:lnSpc>
-                <a:spcPts val="2300"/>
+                <a:spcPts val="1700"/>
               </a:lnSpc>
               <a:spcBef>
                 <a:spcPts val="0"/>
@@ -35820,14 +35800,14 @@
               <a:buSzPct val="100000"/>
               <a:buFont typeface="Menlo"/>
               <a:buChar char="•"/>
-              <a:defRPr b="0" sz="900">
-                <a:solidFill>
-                  <a:srgbClr val="333333"/>
-                </a:solidFill>
-                <a:latin typeface="Menlo"/>
-                <a:ea typeface="Menlo"/>
-                <a:cs typeface="Menlo"/>
-                <a:sym typeface="Menlo"/>
+              <a:defRPr b="0" sz="1100">
+                <a:solidFill>
+                  <a:srgbClr val="5C2699"/>
+                </a:solidFill>
+                <a:latin typeface="Arial"/>
+                <a:ea typeface="Arial"/>
+                <a:cs typeface="Arial"/>
+                <a:sym typeface="Arial"/>
               </a:defRPr>
             </a:pPr>
             <a:r>
@@ -35885,8 +35865,8 @@
         </p:nvSpPr>
         <p:spPr>
           <a:xfrm>
-            <a:off x="912328" y="2307492"/>
-            <a:ext cx="2006444" cy="548641"/>
+            <a:off x="908067" y="2644107"/>
+            <a:ext cx="1950179" cy="725566"/>
           </a:xfrm>
           <a:prstGeom prst="rect">
             <a:avLst/>
@@ -35906,9 +35886,9 @@
           </a:bodyPr>
           <a:lstStyle/>
           <a:p>
-            <a:pPr marL="457200" indent="-317500" defTabSz="457200">
+            <a:pPr marL="527755" indent="-388055" defTabSz="457200">
               <a:lnSpc>
-                <a:spcPts val="2300"/>
+                <a:spcPts val="1700"/>
               </a:lnSpc>
               <a:spcBef>
                 <a:spcPts val="0"/>
@@ -35919,14 +35899,14 @@
               <a:buSzPct val="100000"/>
               <a:buFont typeface="Menlo"/>
               <a:buChar char="•"/>
-              <a:defRPr b="0" sz="900">
-                <a:solidFill>
-                  <a:srgbClr val="AA0D91"/>
-                </a:solidFill>
-                <a:latin typeface="Menlo"/>
-                <a:ea typeface="Menlo"/>
-                <a:cs typeface="Menlo"/>
-                <a:sym typeface="Menlo"/>
+              <a:defRPr b="0" sz="1100">
+                <a:solidFill>
+                  <a:srgbClr val="5C2699"/>
+                </a:solidFill>
+                <a:latin typeface="Arial"/>
+                <a:ea typeface="Arial"/>
+                <a:cs typeface="Arial"/>
+                <a:sym typeface="Arial"/>
               </a:defRPr>
             </a:pPr>
             <a:r>
@@ -35979,9 +35959,9 @@
             </a:endParaRPr>
           </a:p>
           <a:p>
-            <a:pPr marL="457200" indent="-317500" defTabSz="457200">
+            <a:pPr marL="527755" indent="-388055" defTabSz="457200">
               <a:lnSpc>
-                <a:spcPts val="2300"/>
+                <a:spcPts val="1700"/>
               </a:lnSpc>
               <a:spcBef>
                 <a:spcPts val="0"/>
@@ -35992,14 +35972,14 @@
               <a:buSzPct val="100000"/>
               <a:buFont typeface="Menlo"/>
               <a:buChar char="•"/>
-              <a:defRPr b="0" sz="900">
-                <a:solidFill>
-                  <a:srgbClr val="3F6E74"/>
-                </a:solidFill>
-                <a:latin typeface="Menlo"/>
-                <a:ea typeface="Menlo"/>
-                <a:cs typeface="Menlo"/>
-                <a:sym typeface="Menlo"/>
+              <a:defRPr b="0" sz="1100">
+                <a:solidFill>
+                  <a:srgbClr val="5C2699"/>
+                </a:solidFill>
+                <a:latin typeface="Arial"/>
+                <a:ea typeface="Arial"/>
+                <a:cs typeface="Arial"/>
+                <a:sym typeface="Arial"/>
               </a:defRPr>
             </a:pPr>
             <a:r>
@@ -36031,9 +36011,9 @@
             </a:endParaRPr>
           </a:p>
           <a:p>
-            <a:pPr marL="457200" indent="-317500" defTabSz="457200">
+            <a:pPr marL="527755" indent="-388055" defTabSz="457200">
               <a:lnSpc>
-                <a:spcPts val="2300"/>
+                <a:spcPts val="1700"/>
               </a:lnSpc>
               <a:spcBef>
                 <a:spcPts val="0"/>
@@ -36044,14 +36024,14 @@
               <a:buSzPct val="100000"/>
               <a:buFont typeface="Menlo"/>
               <a:buChar char="•"/>
-              <a:defRPr b="0" sz="900">
-                <a:solidFill>
-                  <a:srgbClr val="007400"/>
-                </a:solidFill>
-                <a:latin typeface="Menlo"/>
-                <a:ea typeface="Menlo"/>
-                <a:cs typeface="Menlo"/>
-                <a:sym typeface="Menlo"/>
+              <a:defRPr b="0" sz="1100">
+                <a:solidFill>
+                  <a:srgbClr val="5C2699"/>
+                </a:solidFill>
+                <a:latin typeface="Arial"/>
+                <a:ea typeface="Arial"/>
+                <a:cs typeface="Arial"/>
+                <a:sym typeface="Arial"/>
               </a:defRPr>
             </a:pPr>
             <a:r>
@@ -36204,7 +36184,7 @@
         <p:spPr>
           <a:xfrm>
             <a:off x="912328" y="1322611"/>
-            <a:ext cx="4277319" cy="1209041"/>
+            <a:ext cx="3615733" cy="1589165"/>
           </a:xfrm>
           <a:prstGeom prst="rect">
             <a:avLst/>
@@ -36224,9 +36204,9 @@
           </a:bodyPr>
           <a:lstStyle/>
           <a:p>
-            <a:pPr marL="457200" indent="-317500" defTabSz="457200">
+            <a:pPr marL="527755" indent="-388055" defTabSz="457200">
               <a:lnSpc>
-                <a:spcPts val="2300"/>
+                <a:spcPts val="1700"/>
               </a:lnSpc>
               <a:spcBef>
                 <a:spcPts val="0"/>
@@ -36237,14 +36217,14 @@
               <a:buSzPct val="100000"/>
               <a:buFont typeface="Menlo"/>
               <a:buChar char="•"/>
-              <a:defRPr b="0" sz="900">
-                <a:solidFill>
-                  <a:srgbClr val="AA0D91"/>
-                </a:solidFill>
-                <a:latin typeface="Menlo"/>
-                <a:ea typeface="Menlo"/>
-                <a:cs typeface="Menlo"/>
-                <a:sym typeface="Menlo"/>
+              <a:defRPr b="0" sz="1100">
+                <a:solidFill>
+                  <a:srgbClr val="5C2699"/>
+                </a:solidFill>
+                <a:latin typeface="Arial"/>
+                <a:ea typeface="Arial"/>
+                <a:cs typeface="Arial"/>
+                <a:sym typeface="Arial"/>
               </a:defRPr>
             </a:pPr>
             <a:r>
@@ -36275,11 +36255,6 @@
               <a:t>: </a:t>
             </a:r>
             <a:r>
-              <a:rPr>
-                <a:solidFill>
-                  <a:srgbClr val="5C2699"/>
-                </a:solidFill>
-              </a:rPr>
               <a:t>Vehicle</a:t>
             </a:r>
             <a:r>
@@ -36297,9 +36272,9 @@
             </a:endParaRPr>
           </a:p>
           <a:p>
-            <a:pPr marL="457200" indent="-317500" defTabSz="457200">
+            <a:pPr marL="527755" indent="-388055" defTabSz="457200">
               <a:lnSpc>
-                <a:spcPts val="2300"/>
+                <a:spcPts val="1700"/>
               </a:lnSpc>
               <a:spcBef>
                 <a:spcPts val="0"/>
@@ -36310,14 +36285,14 @@
               <a:buSzPct val="100000"/>
               <a:buFont typeface="Menlo"/>
               <a:buChar char="•"/>
-              <a:defRPr b="0" sz="900">
-                <a:solidFill>
-                  <a:srgbClr val="333333"/>
-                </a:solidFill>
-                <a:latin typeface="Menlo"/>
-                <a:ea typeface="Menlo"/>
-                <a:cs typeface="Menlo"/>
-                <a:sym typeface="Menlo"/>
+              <a:defRPr b="0" sz="1100">
+                <a:solidFill>
+                  <a:srgbClr val="5C2699"/>
+                </a:solidFill>
+                <a:latin typeface="Arial"/>
+                <a:ea typeface="Arial"/>
+                <a:cs typeface="Arial"/>
+                <a:sym typeface="Arial"/>
               </a:defRPr>
             </a:pPr>
             <a:r>
@@ -36355,9 +36330,9 @@
             </a:r>
           </a:p>
           <a:p>
-            <a:pPr marL="457200" indent="-317500" defTabSz="457200">
+            <a:pPr marL="527755" indent="-388055" defTabSz="457200">
               <a:lnSpc>
-                <a:spcPts val="2300"/>
+                <a:spcPts val="1700"/>
               </a:lnSpc>
               <a:spcBef>
                 <a:spcPts val="0"/>
@@ -36368,14 +36343,14 @@
               <a:buSzPct val="100000"/>
               <a:buFont typeface="Menlo"/>
               <a:buChar char="•"/>
-              <a:defRPr b="0" sz="900">
-                <a:solidFill>
-                  <a:srgbClr val="3F6E74"/>
-                </a:solidFill>
-                <a:latin typeface="Menlo"/>
-                <a:ea typeface="Menlo"/>
-                <a:cs typeface="Menlo"/>
-                <a:sym typeface="Menlo"/>
+              <a:defRPr b="0" sz="1100">
+                <a:solidFill>
+                  <a:srgbClr val="5C2699"/>
+                </a:solidFill>
+                <a:latin typeface="Arial"/>
+                <a:ea typeface="Arial"/>
+                <a:cs typeface="Arial"/>
+                <a:sym typeface="Arial"/>
               </a:defRPr>
             </a:pPr>
             <a:r>
@@ -36430,11 +36405,6 @@
               <a:t>: </a:t>
             </a:r>
             <a:r>
-              <a:rPr>
-                <a:solidFill>
-                  <a:srgbClr val="5C2699"/>
-                </a:solidFill>
-              </a:rPr>
               <a:t>String</a:t>
             </a:r>
             <a:r>
@@ -36452,9 +36422,9 @@
             </a:endParaRPr>
           </a:p>
           <a:p>
-            <a:pPr marL="457200" indent="-317500" defTabSz="457200">
+            <a:pPr marL="527755" indent="-388055" defTabSz="457200">
               <a:lnSpc>
-                <a:spcPts val="2300"/>
+                <a:spcPts val="1700"/>
               </a:lnSpc>
               <a:spcBef>
                 <a:spcPts val="0"/>
@@ -36465,14 +36435,14 @@
               <a:buSzPct val="100000"/>
               <a:buFont typeface="Menlo"/>
               <a:buChar char="•"/>
-              <a:defRPr b="0" sz="900">
-                <a:solidFill>
-                  <a:srgbClr val="333333"/>
-                </a:solidFill>
-                <a:latin typeface="Menlo"/>
-                <a:ea typeface="Menlo"/>
-                <a:cs typeface="Menlo"/>
-                <a:sym typeface="Menlo"/>
+              <a:defRPr b="0" sz="1100">
+                <a:solidFill>
+                  <a:srgbClr val="5C2699"/>
+                </a:solidFill>
+                <a:latin typeface="Arial"/>
+                <a:ea typeface="Arial"/>
+                <a:cs typeface="Arial"/>
+                <a:sym typeface="Arial"/>
               </a:defRPr>
             </a:pPr>
             <a:r>
@@ -36543,9 +36513,9 @@
             </a:r>
           </a:p>
           <a:p>
-            <a:pPr marL="457200" indent="-317500" defTabSz="457200">
+            <a:pPr marL="527755" indent="-388055" defTabSz="457200">
               <a:lnSpc>
-                <a:spcPts val="2300"/>
+                <a:spcPts val="1700"/>
               </a:lnSpc>
               <a:spcBef>
                 <a:spcPts val="0"/>
@@ -36556,14 +36526,14 @@
               <a:buSzPct val="100000"/>
               <a:buFont typeface="Menlo"/>
               <a:buChar char="•"/>
-              <a:defRPr b="0" sz="900">
-                <a:solidFill>
-                  <a:srgbClr val="333333"/>
-                </a:solidFill>
-                <a:latin typeface="Menlo"/>
-                <a:ea typeface="Menlo"/>
-                <a:cs typeface="Menlo"/>
-                <a:sym typeface="Menlo"/>
+              <a:defRPr b="0" sz="1100">
+                <a:solidFill>
+                  <a:srgbClr val="5C2699"/>
+                </a:solidFill>
+                <a:latin typeface="Arial"/>
+                <a:ea typeface="Arial"/>
+                <a:cs typeface="Arial"/>
+                <a:sym typeface="Arial"/>
               </a:defRPr>
             </a:pPr>
             <a:r>
@@ -36571,9 +36541,9 @@
             </a:r>
           </a:p>
           <a:p>
-            <a:pPr marL="457200" indent="-317500" defTabSz="457200">
+            <a:pPr marL="527755" indent="-388055" defTabSz="457200">
               <a:lnSpc>
-                <a:spcPts val="2300"/>
+                <a:spcPts val="1700"/>
               </a:lnSpc>
               <a:spcBef>
                 <a:spcPts val="0"/>
@@ -36584,14 +36554,14 @@
               <a:buSzPct val="100000"/>
               <a:buFont typeface="Menlo"/>
               <a:buChar char="•"/>
-              <a:defRPr b="0" sz="900">
-                <a:solidFill>
-                  <a:srgbClr val="333333"/>
-                </a:solidFill>
-                <a:latin typeface="Menlo"/>
-                <a:ea typeface="Menlo"/>
-                <a:cs typeface="Menlo"/>
-                <a:sym typeface="Menlo"/>
+              <a:defRPr b="0" sz="1100">
+                <a:solidFill>
+                  <a:srgbClr val="5C2699"/>
+                </a:solidFill>
+                <a:latin typeface="Arial"/>
+                <a:ea typeface="Arial"/>
+                <a:cs typeface="Arial"/>
+                <a:sym typeface="Arial"/>
               </a:defRPr>
             </a:pPr>
             <a:r>
@@ -36649,8 +36619,8 @@
         </p:nvSpPr>
         <p:spPr>
           <a:xfrm>
-            <a:off x="920850" y="2637693"/>
-            <a:ext cx="4070876" cy="1043941"/>
+            <a:off x="925016" y="3076570"/>
+            <a:ext cx="3590358" cy="1373266"/>
           </a:xfrm>
           <a:prstGeom prst="rect">
             <a:avLst/>
@@ -36670,9 +36640,9 @@
           </a:bodyPr>
           <a:lstStyle/>
           <a:p>
-            <a:pPr marL="457200" indent="-317500" defTabSz="457200">
+            <a:pPr marL="527755" indent="-388055" defTabSz="457200">
               <a:lnSpc>
-                <a:spcPts val="2300"/>
+                <a:spcPts val="1700"/>
               </a:lnSpc>
               <a:spcBef>
                 <a:spcPts val="0"/>
@@ -36683,14 +36653,14 @@
               <a:buSzPct val="100000"/>
               <a:buFont typeface="Menlo"/>
               <a:buChar char="•"/>
-              <a:defRPr b="0" sz="900">
-                <a:solidFill>
-                  <a:srgbClr val="AA0D91"/>
-                </a:solidFill>
-                <a:latin typeface="Menlo"/>
-                <a:ea typeface="Menlo"/>
-                <a:cs typeface="Menlo"/>
-                <a:sym typeface="Menlo"/>
+              <a:defRPr b="0" sz="1100">
+                <a:solidFill>
+                  <a:srgbClr val="5C2699"/>
+                </a:solidFill>
+                <a:latin typeface="Arial"/>
+                <a:ea typeface="Arial"/>
+                <a:cs typeface="Arial"/>
+                <a:sym typeface="Arial"/>
               </a:defRPr>
             </a:pPr>
             <a:r>
@@ -36743,9 +36713,9 @@
             </a:endParaRPr>
           </a:p>
           <a:p>
-            <a:pPr marL="457200" indent="-317500" defTabSz="457200">
+            <a:pPr marL="527755" indent="-388055" defTabSz="457200">
               <a:lnSpc>
-                <a:spcPts val="2300"/>
+                <a:spcPts val="1700"/>
               </a:lnSpc>
               <a:spcBef>
                 <a:spcPts val="0"/>
@@ -36756,14 +36726,14 @@
               <a:buSzPct val="100000"/>
               <a:buFont typeface="Menlo"/>
               <a:buChar char="•"/>
-              <a:defRPr b="0" sz="900">
-                <a:solidFill>
-                  <a:srgbClr val="3F6E74"/>
-                </a:solidFill>
-                <a:latin typeface="Menlo"/>
-                <a:ea typeface="Menlo"/>
-                <a:cs typeface="Menlo"/>
-                <a:sym typeface="Menlo"/>
+              <a:defRPr b="0" sz="1100">
+                <a:solidFill>
+                  <a:srgbClr val="5C2699"/>
+                </a:solidFill>
+                <a:latin typeface="Arial"/>
+                <a:ea typeface="Arial"/>
+                <a:cs typeface="Arial"/>
+                <a:sym typeface="Arial"/>
               </a:defRPr>
             </a:pPr>
             <a:r>
@@ -36803,9 +36773,9 @@
             </a:endParaRPr>
           </a:p>
           <a:p>
-            <a:pPr marL="457200" indent="-317500" defTabSz="457200">
+            <a:pPr marL="527755" indent="-388055" defTabSz="457200">
               <a:lnSpc>
-                <a:spcPts val="2300"/>
+                <a:spcPts val="1700"/>
               </a:lnSpc>
               <a:spcBef>
                 <a:spcPts val="0"/>
@@ -36816,14 +36786,14 @@
               <a:buSzPct val="100000"/>
               <a:buFont typeface="Menlo"/>
               <a:buChar char="•"/>
-              <a:defRPr b="0" sz="900">
-                <a:solidFill>
-                  <a:srgbClr val="3F6E74"/>
-                </a:solidFill>
-                <a:latin typeface="Menlo"/>
-                <a:ea typeface="Menlo"/>
-                <a:cs typeface="Menlo"/>
-                <a:sym typeface="Menlo"/>
+              <a:defRPr b="0" sz="1100">
+                <a:solidFill>
+                  <a:srgbClr val="5C2699"/>
+                </a:solidFill>
+                <a:latin typeface="Arial"/>
+                <a:ea typeface="Arial"/>
+                <a:cs typeface="Arial"/>
+                <a:sym typeface="Arial"/>
               </a:defRPr>
             </a:pPr>
             <a:r>
@@ -36863,9 +36833,9 @@
             </a:endParaRPr>
           </a:p>
           <a:p>
-            <a:pPr marL="457200" indent="-317500" defTabSz="457200">
+            <a:pPr marL="527755" indent="-388055" defTabSz="457200">
               <a:lnSpc>
-                <a:spcPts val="2300"/>
+                <a:spcPts val="1700"/>
               </a:lnSpc>
               <a:spcBef>
                 <a:spcPts val="0"/>
@@ -36876,14 +36846,14 @@
               <a:buSzPct val="100000"/>
               <a:buFont typeface="Menlo"/>
               <a:buChar char="•"/>
-              <a:defRPr b="0" sz="900">
-                <a:solidFill>
-                  <a:srgbClr val="3F6E74"/>
-                </a:solidFill>
-                <a:latin typeface="Menlo"/>
-                <a:ea typeface="Menlo"/>
-                <a:cs typeface="Menlo"/>
-                <a:sym typeface="Menlo"/>
+              <a:defRPr b="0" sz="1100">
+                <a:solidFill>
+                  <a:srgbClr val="5C2699"/>
+                </a:solidFill>
+                <a:latin typeface="Arial"/>
+                <a:ea typeface="Arial"/>
+                <a:cs typeface="Arial"/>
+                <a:sym typeface="Arial"/>
               </a:defRPr>
             </a:pPr>
             <a:r>
@@ -36958,9 +36928,9 @@
             </a:endParaRPr>
           </a:p>
           <a:p>
-            <a:pPr marL="457200" indent="-317500" defTabSz="457200">
+            <a:pPr marL="527755" indent="-388055" defTabSz="457200">
               <a:lnSpc>
-                <a:spcPts val="2300"/>
+                <a:spcPts val="1700"/>
               </a:lnSpc>
               <a:spcBef>
                 <a:spcPts val="0"/>
@@ -36971,14 +36941,14 @@
               <a:buSzPct val="100000"/>
               <a:buFont typeface="Menlo"/>
               <a:buChar char="•"/>
-              <a:defRPr b="0" sz="900">
-                <a:solidFill>
-                  <a:srgbClr val="007400"/>
-                </a:solidFill>
-                <a:latin typeface="Menlo"/>
-                <a:ea typeface="Menlo"/>
-                <a:cs typeface="Menlo"/>
-                <a:sym typeface="Menlo"/>
+              <a:defRPr b="0" sz="1100">
+                <a:solidFill>
+                  <a:srgbClr val="5C2699"/>
+                </a:solidFill>
+                <a:latin typeface="Arial"/>
+                <a:ea typeface="Arial"/>
+                <a:cs typeface="Arial"/>
+                <a:sym typeface="Arial"/>
               </a:defRPr>
             </a:pPr>
             <a:r>
@@ -37136,7 +37106,7 @@
         <p:spPr>
           <a:xfrm>
             <a:off x="912328" y="1322611"/>
-            <a:ext cx="3864433" cy="1374141"/>
+            <a:ext cx="3287629" cy="1805065"/>
           </a:xfrm>
           <a:prstGeom prst="rect">
             <a:avLst/>
@@ -37156,9 +37126,9 @@
           </a:bodyPr>
           <a:lstStyle/>
           <a:p>
-            <a:pPr marL="457200" indent="-317500" defTabSz="457200">
+            <a:pPr marL="527755" indent="-388055" defTabSz="457200">
               <a:lnSpc>
-                <a:spcPts val="2300"/>
+                <a:spcPts val="1700"/>
               </a:lnSpc>
               <a:spcBef>
                 <a:spcPts val="0"/>
@@ -37169,14 +37139,14 @@
               <a:buSzPct val="100000"/>
               <a:buFont typeface="Menlo"/>
               <a:buChar char="•"/>
-              <a:defRPr b="0" sz="900">
-                <a:solidFill>
-                  <a:srgbClr val="3F6E74"/>
-                </a:solidFill>
-                <a:latin typeface="Menlo"/>
-                <a:ea typeface="Menlo"/>
-                <a:cs typeface="Menlo"/>
-                <a:sym typeface="Menlo"/>
+              <a:defRPr b="0" sz="1100">
+                <a:solidFill>
+                  <a:srgbClr val="5C2699"/>
+                </a:solidFill>
+                <a:latin typeface="Arial"/>
+                <a:ea typeface="Arial"/>
+                <a:cs typeface="Arial"/>
+                <a:sym typeface="Arial"/>
               </a:defRPr>
             </a:pPr>
             <a:r>
@@ -37207,11 +37177,6 @@
               <a:t>: </a:t>
             </a:r>
             <a:r>
-              <a:rPr>
-                <a:solidFill>
-                  <a:srgbClr val="5C2699"/>
-                </a:solidFill>
-              </a:rPr>
               <a:t>Car</a:t>
             </a:r>
             <a:r>
@@ -37229,9 +37194,9 @@
             </a:endParaRPr>
           </a:p>
           <a:p>
-            <a:pPr marL="457200" indent="-317500" defTabSz="457200">
+            <a:pPr marL="527755" indent="-388055" defTabSz="457200">
               <a:lnSpc>
-                <a:spcPts val="2300"/>
+                <a:spcPts val="1700"/>
               </a:lnSpc>
               <a:spcBef>
                 <a:spcPts val="0"/>
@@ -37242,14 +37207,14 @@
               <a:buSzPct val="100000"/>
               <a:buFont typeface="Menlo"/>
               <a:buChar char="•"/>
-              <a:defRPr b="0" sz="900">
-                <a:solidFill>
-                  <a:srgbClr val="3F6E74"/>
-                </a:solidFill>
-                <a:latin typeface="Menlo"/>
-                <a:ea typeface="Menlo"/>
-                <a:cs typeface="Menlo"/>
-                <a:sym typeface="Menlo"/>
+              <a:defRPr b="0" sz="1100">
+                <a:solidFill>
+                  <a:srgbClr val="5C2699"/>
+                </a:solidFill>
+                <a:latin typeface="Arial"/>
+                <a:ea typeface="Arial"/>
+                <a:cs typeface="Arial"/>
+                <a:sym typeface="Arial"/>
               </a:defRPr>
             </a:pPr>
             <a:r>
@@ -37304,11 +37269,6 @@
               <a:t>: </a:t>
             </a:r>
             <a:r>
-              <a:rPr>
-                <a:solidFill>
-                  <a:srgbClr val="5C2699"/>
-                </a:solidFill>
-              </a:rPr>
               <a:t>Double</a:t>
             </a:r>
             <a:r>
@@ -37326,9 +37286,9 @@
             </a:endParaRPr>
           </a:p>
           <a:p>
-            <a:pPr marL="457200" indent="-317500" defTabSz="457200">
+            <a:pPr marL="527755" indent="-388055" defTabSz="457200">
               <a:lnSpc>
-                <a:spcPts val="2300"/>
+                <a:spcPts val="1700"/>
               </a:lnSpc>
               <a:spcBef>
                 <a:spcPts val="0"/>
@@ -37339,14 +37299,14 @@
               <a:buSzPct val="100000"/>
               <a:buFont typeface="Menlo"/>
               <a:buChar char="•"/>
-              <a:defRPr b="0" sz="900">
-                <a:solidFill>
-                  <a:srgbClr val="333333"/>
-                </a:solidFill>
-                <a:latin typeface="Menlo"/>
-                <a:ea typeface="Menlo"/>
-                <a:cs typeface="Menlo"/>
-                <a:sym typeface="Menlo"/>
+              <a:defRPr b="0" sz="1100">
+                <a:solidFill>
+                  <a:srgbClr val="5C2699"/>
+                </a:solidFill>
+                <a:latin typeface="Arial"/>
+                <a:ea typeface="Arial"/>
+                <a:cs typeface="Arial"/>
+                <a:sym typeface="Arial"/>
               </a:defRPr>
             </a:pPr>
             <a:r>
@@ -37365,9 +37325,9 @@
             </a:r>
           </a:p>
           <a:p>
-            <a:pPr marL="457200" indent="-317500" defTabSz="457200">
+            <a:pPr marL="527755" indent="-388055" defTabSz="457200">
               <a:lnSpc>
-                <a:spcPts val="2300"/>
+                <a:spcPts val="1700"/>
               </a:lnSpc>
               <a:spcBef>
                 <a:spcPts val="0"/>
@@ -37378,14 +37338,14 @@
               <a:buSzPct val="100000"/>
               <a:buFont typeface="Menlo"/>
               <a:buChar char="•"/>
-              <a:defRPr b="0" sz="900">
-                <a:solidFill>
-                  <a:srgbClr val="333333"/>
-                </a:solidFill>
-                <a:latin typeface="Menlo"/>
-                <a:ea typeface="Menlo"/>
-                <a:cs typeface="Menlo"/>
-                <a:sym typeface="Menlo"/>
+              <a:defRPr b="0" sz="1100">
+                <a:solidFill>
+                  <a:srgbClr val="5C2699"/>
+                </a:solidFill>
+                <a:latin typeface="Arial"/>
+                <a:ea typeface="Arial"/>
+                <a:cs typeface="Arial"/>
+                <a:sym typeface="Arial"/>
               </a:defRPr>
             </a:pPr>
             <a:r>
@@ -37445,9 +37405,9 @@
             </a:r>
           </a:p>
           <a:p>
-            <a:pPr marL="457200" indent="-317500" defTabSz="457200">
+            <a:pPr marL="527755" indent="-388055" defTabSz="457200">
               <a:lnSpc>
-                <a:spcPts val="2300"/>
+                <a:spcPts val="1700"/>
               </a:lnSpc>
               <a:spcBef>
                 <a:spcPts val="0"/>
@@ -37458,14 +37418,14 @@
               <a:buSzPct val="100000"/>
               <a:buFont typeface="Menlo"/>
               <a:buChar char="•"/>
-              <a:defRPr b="0" sz="900">
-                <a:solidFill>
-                  <a:srgbClr val="333333"/>
-                </a:solidFill>
-                <a:latin typeface="Menlo"/>
-                <a:ea typeface="Menlo"/>
-                <a:cs typeface="Menlo"/>
-                <a:sym typeface="Menlo"/>
+              <a:defRPr b="0" sz="1100">
+                <a:solidFill>
+                  <a:srgbClr val="5C2699"/>
+                </a:solidFill>
+                <a:latin typeface="Arial"/>
+                <a:ea typeface="Arial"/>
+                <a:cs typeface="Arial"/>
+                <a:sym typeface="Arial"/>
               </a:defRPr>
             </a:pPr>
             <a:r>
@@ -37473,9 +37433,9 @@
             </a:r>
           </a:p>
           <a:p>
-            <a:pPr marL="457200" indent="-317500" defTabSz="457200">
+            <a:pPr marL="527755" indent="-388055" defTabSz="457200">
               <a:lnSpc>
-                <a:spcPts val="2300"/>
+                <a:spcPts val="1700"/>
               </a:lnSpc>
               <a:spcBef>
                 <a:spcPts val="0"/>
@@ -37486,14 +37446,14 @@
               <a:buSzPct val="100000"/>
               <a:buFont typeface="Menlo"/>
               <a:buChar char="•"/>
-              <a:defRPr b="0" sz="900">
-                <a:solidFill>
-                  <a:srgbClr val="333333"/>
-                </a:solidFill>
-                <a:latin typeface="Menlo"/>
-                <a:ea typeface="Menlo"/>
-                <a:cs typeface="Menlo"/>
-                <a:sym typeface="Menlo"/>
+              <a:defRPr b="0" sz="1100">
+                <a:solidFill>
+                  <a:srgbClr val="5C2699"/>
+                </a:solidFill>
+                <a:latin typeface="Arial"/>
+                <a:ea typeface="Arial"/>
+                <a:cs typeface="Arial"/>
+                <a:sym typeface="Arial"/>
               </a:defRPr>
             </a:pPr>
             <a:r>
@@ -37501,9 +37461,9 @@
             </a:r>
           </a:p>
           <a:p>
-            <a:pPr marL="457200" indent="-317500" defTabSz="457200">
+            <a:pPr marL="527755" indent="-388055" defTabSz="457200">
               <a:lnSpc>
-                <a:spcPts val="2300"/>
+                <a:spcPts val="1700"/>
               </a:lnSpc>
               <a:spcBef>
                 <a:spcPts val="0"/>
@@ -37514,14 +37474,14 @@
               <a:buSzPct val="100000"/>
               <a:buFont typeface="Menlo"/>
               <a:buChar char="•"/>
-              <a:defRPr b="0" sz="900">
-                <a:solidFill>
-                  <a:srgbClr val="333333"/>
-                </a:solidFill>
-                <a:latin typeface="Menlo"/>
-                <a:ea typeface="Menlo"/>
-                <a:cs typeface="Menlo"/>
-                <a:sym typeface="Menlo"/>
+              <a:defRPr b="0" sz="1100">
+                <a:solidFill>
+                  <a:srgbClr val="5C2699"/>
+                </a:solidFill>
+                <a:latin typeface="Arial"/>
+                <a:ea typeface="Arial"/>
+                <a:cs typeface="Arial"/>
+                <a:sym typeface="Arial"/>
               </a:defRPr>
             </a:pPr>
             <a:r>
@@ -37579,8 +37539,8 @@
         </p:nvSpPr>
         <p:spPr>
           <a:xfrm>
-            <a:off x="933633" y="2802793"/>
-            <a:ext cx="4621391" cy="751841"/>
+            <a:off x="942155" y="3233717"/>
+            <a:ext cx="4164983" cy="941465"/>
           </a:xfrm>
           <a:prstGeom prst="rect">
             <a:avLst/>
@@ -37600,9 +37560,9 @@
           </a:bodyPr>
           <a:lstStyle/>
           <a:p>
-            <a:pPr marL="457200" indent="-317500" defTabSz="457200">
+            <a:pPr marL="527755" indent="-388055" defTabSz="457200">
               <a:lnSpc>
-                <a:spcPts val="2400"/>
+                <a:spcPts val="1700"/>
               </a:lnSpc>
               <a:spcBef>
                 <a:spcPts val="0"/>
@@ -37613,14 +37573,14 @@
               <a:buSzPct val="100000"/>
               <a:buFont typeface="Menlo"/>
               <a:buChar char="•"/>
-              <a:defRPr b="0" sz="900">
-                <a:solidFill>
-                  <a:srgbClr val="3F6E74"/>
-                </a:solidFill>
-                <a:latin typeface="Menlo"/>
-                <a:ea typeface="Menlo"/>
-                <a:cs typeface="Menlo"/>
-                <a:sym typeface="Menlo"/>
+              <a:defRPr b="0" sz="1100">
+                <a:solidFill>
+                  <a:srgbClr val="5C2699"/>
+                </a:solidFill>
+                <a:latin typeface="Arial"/>
+                <a:ea typeface="Arial"/>
+                <a:cs typeface="Arial"/>
+                <a:sym typeface="Arial"/>
               </a:defRPr>
             </a:pPr>
             <a:r>
@@ -37668,9 +37628,9 @@
             </a:endParaRPr>
           </a:p>
           <a:p>
-            <a:pPr marL="457200" indent="-317500" defTabSz="457200">
+            <a:pPr marL="527755" indent="-388055" defTabSz="457200">
               <a:lnSpc>
-                <a:spcPts val="2400"/>
+                <a:spcPts val="1700"/>
               </a:lnSpc>
               <a:spcBef>
                 <a:spcPts val="0"/>
@@ -37681,14 +37641,14 @@
               <a:buSzPct val="100000"/>
               <a:buFont typeface="Menlo"/>
               <a:buChar char="•"/>
-              <a:defRPr b="0" sz="900">
-                <a:solidFill>
-                  <a:srgbClr val="3F6E74"/>
-                </a:solidFill>
-                <a:latin typeface="Menlo"/>
-                <a:ea typeface="Menlo"/>
-                <a:cs typeface="Menlo"/>
-                <a:sym typeface="Menlo"/>
+              <a:defRPr b="0" sz="1100">
+                <a:solidFill>
+                  <a:srgbClr val="5C2699"/>
+                </a:solidFill>
+                <a:latin typeface="Arial"/>
+                <a:ea typeface="Arial"/>
+                <a:cs typeface="Arial"/>
+                <a:sym typeface="Arial"/>
               </a:defRPr>
             </a:pPr>
             <a:r>
@@ -37728,9 +37688,9 @@
             </a:endParaRPr>
           </a:p>
           <a:p>
-            <a:pPr marL="457200" indent="-317500" defTabSz="457200">
+            <a:pPr marL="527755" indent="-388055" defTabSz="457200">
               <a:lnSpc>
-                <a:spcPts val="2400"/>
+                <a:spcPts val="1700"/>
               </a:lnSpc>
               <a:spcBef>
                 <a:spcPts val="0"/>
@@ -37741,14 +37701,14 @@
               <a:buSzPct val="100000"/>
               <a:buFont typeface="Menlo"/>
               <a:buChar char="•"/>
-              <a:defRPr b="0" sz="900">
-                <a:solidFill>
-                  <a:srgbClr val="C41A16"/>
-                </a:solidFill>
-                <a:latin typeface="Menlo"/>
-                <a:ea typeface="Menlo"/>
-                <a:cs typeface="Menlo"/>
-                <a:sym typeface="Menlo"/>
+              <a:defRPr b="0" sz="1100">
+                <a:solidFill>
+                  <a:srgbClr val="5C2699"/>
+                </a:solidFill>
+                <a:latin typeface="Arial"/>
+                <a:ea typeface="Arial"/>
+                <a:cs typeface="Arial"/>
+                <a:sym typeface="Arial"/>
               </a:defRPr>
             </a:pPr>
             <a:r>
@@ -37828,9 +37788,9 @@
             </a:endParaRPr>
           </a:p>
           <a:p>
-            <a:pPr marL="457200" indent="-317500" defTabSz="457200">
+            <a:pPr marL="527755" indent="-388055" defTabSz="457200">
               <a:lnSpc>
-                <a:spcPts val="2400"/>
+                <a:spcPts val="1700"/>
               </a:lnSpc>
               <a:spcBef>
                 <a:spcPts val="0"/>
@@ -37841,14 +37801,14 @@
               <a:buSzPct val="100000"/>
               <a:buFont typeface="Menlo"/>
               <a:buChar char="•"/>
-              <a:defRPr b="0" sz="900">
-                <a:solidFill>
-                  <a:srgbClr val="007400"/>
-                </a:solidFill>
-                <a:latin typeface="Menlo"/>
-                <a:ea typeface="Menlo"/>
-                <a:cs typeface="Menlo"/>
-                <a:sym typeface="Menlo"/>
+              <a:defRPr b="0" sz="1100">
+                <a:solidFill>
+                  <a:srgbClr val="5C2699"/>
+                </a:solidFill>
+                <a:latin typeface="Arial"/>
+                <a:ea typeface="Arial"/>
+                <a:cs typeface="Arial"/>
+                <a:sym typeface="Arial"/>
               </a:defRPr>
             </a:pPr>
             <a:r>
@@ -38001,7 +37961,7 @@
         <p:spPr>
           <a:xfrm>
             <a:off x="1086763" y="1190784"/>
-            <a:ext cx="5268596" cy="295593"/>
+            <a:ext cx="4542692" cy="392173"/>
           </a:xfrm>
           <a:prstGeom prst="rect">
             <a:avLst/>
@@ -38023,19 +37983,19 @@
           <a:p>
             <a:pPr defTabSz="457200">
               <a:lnSpc>
-                <a:spcPts val="2800"/>
+                <a:spcPts val="2500"/>
               </a:lnSpc>
               <a:spcBef>
                 <a:spcPts val="0"/>
               </a:spcBef>
-              <a:defRPr sz="1280">
-                <a:solidFill>
-                  <a:srgbClr val="666666"/>
-                </a:solidFill>
-                <a:latin typeface="Menlo"/>
-                <a:ea typeface="Menlo"/>
-                <a:cs typeface="Menlo"/>
-                <a:sym typeface="Menlo"/>
+              <a:defRPr b="0" sz="1600">
+                <a:solidFill>
+                  <a:srgbClr val="5C2699"/>
+                </a:solidFill>
+                <a:latin typeface="Arial"/>
+                <a:ea typeface="Arial"/>
+                <a:cs typeface="Arial"/>
+                <a:sym typeface="Arial"/>
               </a:defRPr>
             </a:pPr>
             <a:r>
